--- a/Challenge_1.pptx
+++ b/Challenge_1.pptx
@@ -5477,6 +5477,274 @@
           </a:fontRef>
         </p:style>
       </p:cxnSp>
+      <p:sp>
+        <p:nvSpPr>
+          <p:cNvPr id="109" name="Rectangle 108">
+            <a:extLst>
+              <a:ext uri="{FF2B5EF4-FFF2-40B4-BE49-F238E27FC236}">
+                <a16:creationId xmlns:a16="http://schemas.microsoft.com/office/drawing/2014/main" id="{D3FF757A-9A27-417A-BCBF-5174107262D4}"/>
+              </a:ext>
+            </a:extLst>
+          </p:cNvPr>
+          <p:cNvSpPr/>
+          <p:nvPr/>
+        </p:nvSpPr>
+        <p:spPr>
+          <a:xfrm>
+            <a:off x="539859" y="2635308"/>
+            <a:ext cx="821250" cy="1015663"/>
+          </a:xfrm>
+          <a:prstGeom prst="rect">
+            <a:avLst/>
+          </a:prstGeom>
+          <a:noFill/>
+        </p:spPr>
+        <p:txBody>
+          <a:bodyPr wrap="none" lIns="91440" tIns="45720" rIns="91440" bIns="45720">
+            <a:spAutoFit/>
+          </a:bodyPr>
+          <a:lstStyle/>
+          <a:p>
+            <a:pPr algn="ctr"/>
+            <a:r>
+              <a:rPr lang="en-US" sz="1200" cap="none" spc="0" dirty="0" err="1">
+                <a:ln w="0"/>
+                <a:solidFill>
+                  <a:srgbClr val="002060"/>
+                </a:solidFill>
+                <a:effectLst>
+                  <a:outerShdw blurRad="38100" dist="19050" dir="2700000" algn="tl" rotWithShape="0">
+                    <a:schemeClr val="dk1">
+                      <a:alpha val="40000"/>
+                    </a:schemeClr>
+                  </a:outerShdw>
+                </a:effectLst>
+              </a:rPr>
+              <a:t>eg</a:t>
+            </a:r>
+            <a:r>
+              <a:rPr lang="en-US" sz="1200" cap="none" spc="0" dirty="0">
+                <a:ln w="0"/>
+                <a:solidFill>
+                  <a:srgbClr val="002060"/>
+                </a:solidFill>
+                <a:effectLst>
+                  <a:outerShdw blurRad="38100" dist="19050" dir="2700000" algn="tl" rotWithShape="0">
+                    <a:schemeClr val="dk1">
+                      <a:alpha val="40000"/>
+                    </a:schemeClr>
+                  </a:outerShdw>
+                </a:effectLst>
+              </a:rPr>
+              <a:t>:</a:t>
+            </a:r>
+          </a:p>
+          <a:p>
+            <a:pPr algn="ctr"/>
+            <a:r>
+              <a:rPr lang="en-US" sz="1200" b="1" dirty="0">
+                <a:ln w="0"/>
+                <a:solidFill>
+                  <a:srgbClr val="002060"/>
+                </a:solidFill>
+                <a:effectLst>
+                  <a:outerShdw blurRad="38100" dist="19050" dir="2700000" algn="tl" rotWithShape="0">
+                    <a:schemeClr val="dk1">
+                      <a:alpha val="40000"/>
+                    </a:schemeClr>
+                  </a:outerShdw>
+                </a:effectLst>
+              </a:rPr>
+              <a:t>Java</a:t>
+            </a:r>
+          </a:p>
+          <a:p>
+            <a:pPr algn="ctr"/>
+            <a:r>
+              <a:rPr lang="en-US" sz="1200" b="1" dirty="0">
+                <a:ln w="0"/>
+                <a:solidFill>
+                  <a:srgbClr val="002060"/>
+                </a:solidFill>
+                <a:effectLst>
+                  <a:outerShdw blurRad="38100" dist="19050" dir="2700000" algn="tl" rotWithShape="0">
+                    <a:schemeClr val="dk1">
+                      <a:alpha val="40000"/>
+                    </a:schemeClr>
+                  </a:outerShdw>
+                </a:effectLst>
+              </a:rPr>
+              <a:t>JavaScript</a:t>
+            </a:r>
+          </a:p>
+          <a:p>
+            <a:pPr algn="ctr"/>
+            <a:r>
+              <a:rPr lang="en-US" sz="1200" b="1" dirty="0">
+                <a:ln w="0"/>
+                <a:solidFill>
+                  <a:srgbClr val="002060"/>
+                </a:solidFill>
+                <a:effectLst>
+                  <a:outerShdw blurRad="38100" dist="19050" dir="2700000" algn="tl" rotWithShape="0">
+                    <a:schemeClr val="dk1">
+                      <a:alpha val="40000"/>
+                    </a:schemeClr>
+                  </a:outerShdw>
+                </a:effectLst>
+              </a:rPr>
+              <a:t>ActiveMQ</a:t>
+            </a:r>
+          </a:p>
+          <a:p>
+            <a:pPr algn="ctr"/>
+            <a:r>
+              <a:rPr lang="en-US" sz="1200" b="1" dirty="0">
+                <a:ln w="0"/>
+                <a:solidFill>
+                  <a:srgbClr val="002060"/>
+                </a:solidFill>
+                <a:effectLst>
+                  <a:outerShdw blurRad="38100" dist="19050" dir="2700000" algn="tl" rotWithShape="0">
+                    <a:schemeClr val="dk1">
+                      <a:alpha val="40000"/>
+                    </a:schemeClr>
+                  </a:outerShdw>
+                </a:effectLst>
+              </a:rPr>
+              <a:t>Kafka</a:t>
+            </a:r>
+          </a:p>
+        </p:txBody>
+      </p:sp>
+      <p:sp>
+        <p:nvSpPr>
+          <p:cNvPr id="111" name="Rectangle 110">
+            <a:extLst>
+              <a:ext uri="{FF2B5EF4-FFF2-40B4-BE49-F238E27FC236}">
+                <a16:creationId xmlns:a16="http://schemas.microsoft.com/office/drawing/2014/main" id="{CB131950-84E0-4E59-A2FB-FA49E0B1FBB0}"/>
+              </a:ext>
+            </a:extLst>
+          </p:cNvPr>
+          <p:cNvSpPr/>
+          <p:nvPr/>
+        </p:nvSpPr>
+        <p:spPr>
+          <a:xfrm>
+            <a:off x="562732" y="4898492"/>
+            <a:ext cx="859466" cy="646331"/>
+          </a:xfrm>
+          <a:prstGeom prst="rect">
+            <a:avLst/>
+          </a:prstGeom>
+          <a:noFill/>
+        </p:spPr>
+        <p:txBody>
+          <a:bodyPr wrap="none" lIns="91440" tIns="45720" rIns="91440" bIns="45720">
+            <a:spAutoFit/>
+          </a:bodyPr>
+          <a:lstStyle/>
+          <a:p>
+            <a:pPr algn="ctr"/>
+            <a:r>
+              <a:rPr lang="en-US" sz="1200" cap="none" spc="0" dirty="0" err="1">
+                <a:ln w="0"/>
+                <a:solidFill>
+                  <a:srgbClr val="002060"/>
+                </a:solidFill>
+                <a:effectLst>
+                  <a:outerShdw blurRad="38100" dist="19050" dir="2700000" algn="tl" rotWithShape="0">
+                    <a:schemeClr val="dk1">
+                      <a:alpha val="40000"/>
+                    </a:schemeClr>
+                  </a:outerShdw>
+                </a:effectLst>
+              </a:rPr>
+              <a:t>eg</a:t>
+            </a:r>
+            <a:r>
+              <a:rPr lang="en-US" sz="1200" cap="none" spc="0" dirty="0">
+                <a:ln w="0"/>
+                <a:solidFill>
+                  <a:srgbClr val="002060"/>
+                </a:solidFill>
+                <a:effectLst>
+                  <a:outerShdw blurRad="38100" dist="19050" dir="2700000" algn="tl" rotWithShape="0">
+                    <a:schemeClr val="dk1">
+                      <a:alpha val="40000"/>
+                    </a:schemeClr>
+                  </a:outerShdw>
+                </a:effectLst>
+              </a:rPr>
+              <a:t>:</a:t>
+            </a:r>
+            <a:endParaRPr lang="en-US" sz="1200" b="1" cap="none" spc="0" dirty="0">
+              <a:ln w="0"/>
+              <a:solidFill>
+                <a:srgbClr val="002060"/>
+              </a:solidFill>
+              <a:effectLst>
+                <a:outerShdw blurRad="38100" dist="19050" dir="2700000" algn="tl" rotWithShape="0">
+                  <a:schemeClr val="dk1">
+                    <a:alpha val="40000"/>
+                  </a:schemeClr>
+                </a:outerShdw>
+              </a:effectLst>
+            </a:endParaRPr>
+          </a:p>
+          <a:p>
+            <a:pPr algn="ctr"/>
+            <a:r>
+              <a:rPr lang="en-US" sz="1200" b="1" cap="none" spc="0" dirty="0">
+                <a:ln w="0"/>
+                <a:solidFill>
+                  <a:srgbClr val="002060"/>
+                </a:solidFill>
+                <a:effectLst>
+                  <a:outerShdw blurRad="38100" dist="19050" dir="2700000" algn="tl" rotWithShape="0">
+                    <a:schemeClr val="dk1">
+                      <a:alpha val="40000"/>
+                    </a:schemeClr>
+                  </a:outerShdw>
+                </a:effectLst>
+              </a:rPr>
+              <a:t>SQL server</a:t>
+            </a:r>
+          </a:p>
+          <a:p>
+            <a:pPr algn="ctr"/>
+            <a:r>
+              <a:rPr lang="en-US" sz="1200" b="1" dirty="0">
+                <a:ln w="0"/>
+                <a:solidFill>
+                  <a:srgbClr val="002060"/>
+                </a:solidFill>
+                <a:effectLst>
+                  <a:outerShdw blurRad="38100" dist="19050" dir="2700000" algn="tl" rotWithShape="0">
+                    <a:schemeClr val="dk1">
+                      <a:alpha val="40000"/>
+                    </a:schemeClr>
+                  </a:outerShdw>
+                </a:effectLst>
+              </a:rPr>
+              <a:t>MongoDB</a:t>
+            </a:r>
+            <a:endParaRPr lang="en-US" sz="1200" b="1" cap="none" spc="0" dirty="0">
+              <a:ln w="0"/>
+              <a:solidFill>
+                <a:srgbClr val="002060"/>
+              </a:solidFill>
+              <a:effectLst>
+                <a:outerShdw blurRad="38100" dist="19050" dir="2700000" algn="tl" rotWithShape="0">
+                  <a:schemeClr val="dk1">
+                    <a:alpha val="40000"/>
+                  </a:schemeClr>
+                </a:outerShdw>
+              </a:effectLst>
+            </a:endParaRPr>
+          </a:p>
+        </p:txBody>
+      </p:sp>
     </p:spTree>
     <p:extLst>
       <p:ext uri="{BB962C8B-B14F-4D97-AF65-F5344CB8AC3E}">

--- a/Challenge_1.pptx
+++ b/Challenge_1.pptx
@@ -5745,6 +5745,115 @@
           </a:p>
         </p:txBody>
       </p:sp>
+      <p:sp>
+        <p:nvSpPr>
+          <p:cNvPr id="115" name="Rectangle 114">
+            <a:extLst>
+              <a:ext uri="{FF2B5EF4-FFF2-40B4-BE49-F238E27FC236}">
+                <a16:creationId xmlns:a16="http://schemas.microsoft.com/office/drawing/2014/main" id="{B49829C6-E90A-405E-A8C7-13C0902ABE75}"/>
+              </a:ext>
+            </a:extLst>
+          </p:cNvPr>
+          <p:cNvSpPr/>
+          <p:nvPr/>
+        </p:nvSpPr>
+        <p:spPr>
+          <a:xfrm>
+            <a:off x="6518582" y="300270"/>
+            <a:ext cx="1529394" cy="276999"/>
+          </a:xfrm>
+          <a:prstGeom prst="rect">
+            <a:avLst/>
+          </a:prstGeom>
+          <a:noFill/>
+        </p:spPr>
+        <p:txBody>
+          <a:bodyPr wrap="none" lIns="91440" tIns="45720" rIns="91440" bIns="45720">
+            <a:spAutoFit/>
+          </a:bodyPr>
+          <a:lstStyle/>
+          <a:p>
+            <a:pPr algn="ctr"/>
+            <a:r>
+              <a:rPr lang="en-US" sz="1200" b="1" cap="none" spc="0" dirty="0">
+                <a:ln w="0"/>
+                <a:solidFill>
+                  <a:srgbClr val="002060"/>
+                </a:solidFill>
+                <a:effectLst>
+                  <a:outerShdw blurRad="38100" dist="19050" dir="2700000" algn="tl" rotWithShape="0">
+                    <a:schemeClr val="dk1">
+                      <a:alpha val="40000"/>
+                    </a:schemeClr>
+                  </a:outerShdw>
+                </a:effectLst>
+              </a:rPr>
+              <a:t>Microservice UI layer</a:t>
+            </a:r>
+          </a:p>
+        </p:txBody>
+      </p:sp>
+      <p:sp>
+        <p:nvSpPr>
+          <p:cNvPr id="117" name="Rectangle 116">
+            <a:extLst>
+              <a:ext uri="{FF2B5EF4-FFF2-40B4-BE49-F238E27FC236}">
+                <a16:creationId xmlns:a16="http://schemas.microsoft.com/office/drawing/2014/main" id="{1D351E94-F7BE-4E86-9144-389E268A9905}"/>
+              </a:ext>
+            </a:extLst>
+          </p:cNvPr>
+          <p:cNvSpPr/>
+          <p:nvPr/>
+        </p:nvSpPr>
+        <p:spPr>
+          <a:xfrm>
+            <a:off x="6589388" y="3567603"/>
+            <a:ext cx="1064202" cy="276999"/>
+          </a:xfrm>
+          <a:prstGeom prst="rect">
+            <a:avLst/>
+          </a:prstGeom>
+          <a:noFill/>
+        </p:spPr>
+        <p:txBody>
+          <a:bodyPr wrap="none" lIns="91440" tIns="45720" rIns="91440" bIns="45720">
+            <a:spAutoFit/>
+          </a:bodyPr>
+          <a:lstStyle/>
+          <a:p>
+            <a:pPr algn="ctr"/>
+            <a:r>
+              <a:rPr lang="en-US" sz="1200" b="1" dirty="0">
+                <a:ln w="0"/>
+                <a:solidFill>
+                  <a:srgbClr val="002060"/>
+                </a:solidFill>
+                <a:effectLst>
+                  <a:outerShdw blurRad="38100" dist="19050" dir="2700000" algn="tl" rotWithShape="0">
+                    <a:schemeClr val="dk1">
+                      <a:alpha val="40000"/>
+                    </a:schemeClr>
+                  </a:outerShdw>
+                </a:effectLst>
+              </a:rPr>
+              <a:t>Microservices</a:t>
+            </a:r>
+            <a:endParaRPr lang="en-US" sz="1200" b="1" cap="none" spc="0" dirty="0">
+              <a:ln w="0"/>
+              <a:solidFill>
+                <a:srgbClr val="002060"/>
+              </a:solidFill>
+              <a:effectLst>
+                <a:outerShdw blurRad="38100" dist="19050" dir="2700000" algn="tl" rotWithShape="0">
+                  <a:schemeClr val="dk1">
+                    <a:alpha val="40000"/>
+                  </a:schemeClr>
+                </a:outerShdw>
+              </a:effectLst>
+            </a:endParaRPr>
+          </a:p>
+        </p:txBody>
+      </p:sp>
     </p:spTree>
     <p:extLst>
       <p:ext uri="{BB962C8B-B14F-4D97-AF65-F5344CB8AC3E}">

--- a/Challenge_1.pptx
+++ b/Challenge_1.pptx
@@ -104,6 +104,11 @@
       </a:defRPr>
     </a:lvl9pPr>
   </p:defaultTextStyle>
+  <p:extLst>
+    <p:ext uri="{EFAFB233-063F-42B5-8137-9DF3F51BA10A}">
+      <p15:sldGuideLst xmlns:p15="http://schemas.microsoft.com/office/powerpoint/2012/main"/>
+    </p:ext>
+  </p:extLst>
 </p:presentation>
 </file>
 
@@ -256,7 +261,7 @@
           <a:p>
             <a:fld id="{A056A3AD-46F0-4692-ADA9-20905F18FD71}" type="datetimeFigureOut">
               <a:rPr lang="en-GB" smtClean="0"/>
-              <a:t>26/08/2020</a:t>
+              <a:t>27/08/2020</a:t>
             </a:fld>
             <a:endParaRPr lang="en-GB"/>
           </a:p>
@@ -456,7 +461,7 @@
           <a:p>
             <a:fld id="{A056A3AD-46F0-4692-ADA9-20905F18FD71}" type="datetimeFigureOut">
               <a:rPr lang="en-GB" smtClean="0"/>
-              <a:t>26/08/2020</a:t>
+              <a:t>27/08/2020</a:t>
             </a:fld>
             <a:endParaRPr lang="en-GB"/>
           </a:p>
@@ -666,7 +671,7 @@
           <a:p>
             <a:fld id="{A056A3AD-46F0-4692-ADA9-20905F18FD71}" type="datetimeFigureOut">
               <a:rPr lang="en-GB" smtClean="0"/>
-              <a:t>26/08/2020</a:t>
+              <a:t>27/08/2020</a:t>
             </a:fld>
             <a:endParaRPr lang="en-GB"/>
           </a:p>
@@ -866,7 +871,7 @@
           <a:p>
             <a:fld id="{A056A3AD-46F0-4692-ADA9-20905F18FD71}" type="datetimeFigureOut">
               <a:rPr lang="en-GB" smtClean="0"/>
-              <a:t>26/08/2020</a:t>
+              <a:t>27/08/2020</a:t>
             </a:fld>
             <a:endParaRPr lang="en-GB"/>
           </a:p>
@@ -1142,7 +1147,7 @@
           <a:p>
             <a:fld id="{A056A3AD-46F0-4692-ADA9-20905F18FD71}" type="datetimeFigureOut">
               <a:rPr lang="en-GB" smtClean="0"/>
-              <a:t>26/08/2020</a:t>
+              <a:t>27/08/2020</a:t>
             </a:fld>
             <a:endParaRPr lang="en-GB"/>
           </a:p>
@@ -1410,7 +1415,7 @@
           <a:p>
             <a:fld id="{A056A3AD-46F0-4692-ADA9-20905F18FD71}" type="datetimeFigureOut">
               <a:rPr lang="en-GB" smtClean="0"/>
-              <a:t>26/08/2020</a:t>
+              <a:t>27/08/2020</a:t>
             </a:fld>
             <a:endParaRPr lang="en-GB"/>
           </a:p>
@@ -1825,7 +1830,7 @@
           <a:p>
             <a:fld id="{A056A3AD-46F0-4692-ADA9-20905F18FD71}" type="datetimeFigureOut">
               <a:rPr lang="en-GB" smtClean="0"/>
-              <a:t>26/08/2020</a:t>
+              <a:t>27/08/2020</a:t>
             </a:fld>
             <a:endParaRPr lang="en-GB"/>
           </a:p>
@@ -1967,7 +1972,7 @@
           <a:p>
             <a:fld id="{A056A3AD-46F0-4692-ADA9-20905F18FD71}" type="datetimeFigureOut">
               <a:rPr lang="en-GB" smtClean="0"/>
-              <a:t>26/08/2020</a:t>
+              <a:t>27/08/2020</a:t>
             </a:fld>
             <a:endParaRPr lang="en-GB"/>
           </a:p>
@@ -2080,7 +2085,7 @@
           <a:p>
             <a:fld id="{A056A3AD-46F0-4692-ADA9-20905F18FD71}" type="datetimeFigureOut">
               <a:rPr lang="en-GB" smtClean="0"/>
-              <a:t>26/08/2020</a:t>
+              <a:t>27/08/2020</a:t>
             </a:fld>
             <a:endParaRPr lang="en-GB"/>
           </a:p>
@@ -2393,7 +2398,7 @@
           <a:p>
             <a:fld id="{A056A3AD-46F0-4692-ADA9-20905F18FD71}" type="datetimeFigureOut">
               <a:rPr lang="en-GB" smtClean="0"/>
-              <a:t>26/08/2020</a:t>
+              <a:t>27/08/2020</a:t>
             </a:fld>
             <a:endParaRPr lang="en-GB"/>
           </a:p>
@@ -2682,7 +2687,7 @@
           <a:p>
             <a:fld id="{A056A3AD-46F0-4692-ADA9-20905F18FD71}" type="datetimeFigureOut">
               <a:rPr lang="en-GB" smtClean="0"/>
-              <a:t>26/08/2020</a:t>
+              <a:t>27/08/2020</a:t>
             </a:fld>
             <a:endParaRPr lang="en-GB"/>
           </a:p>
@@ -2925,7 +2930,7 @@
           <a:p>
             <a:fld id="{A056A3AD-46F0-4692-ADA9-20905F18FD71}" type="datetimeFigureOut">
               <a:rPr lang="en-GB" smtClean="0"/>
-              <a:t>26/08/2020</a:t>
+              <a:t>27/08/2020</a:t>
             </a:fld>
             <a:endParaRPr lang="en-GB"/>
           </a:p>
@@ -5492,7 +5497,7 @@
         <p:spPr>
           <a:xfrm>
             <a:off x="539859" y="2635308"/>
-            <a:ext cx="821250" cy="1015663"/>
+            <a:ext cx="821250" cy="1569660"/>
           </a:xfrm>
           <a:prstGeom prst="rect">
             <a:avLst/>
@@ -5615,6 +5620,63 @@
               <a:t>Kafka</a:t>
             </a:r>
           </a:p>
+          <a:p>
+            <a:pPr algn="ctr"/>
+            <a:r>
+              <a:rPr lang="en-US" sz="1200" b="1" dirty="0">
+                <a:ln w="0"/>
+                <a:solidFill>
+                  <a:srgbClr val="002060"/>
+                </a:solidFill>
+                <a:effectLst>
+                  <a:outerShdw blurRad="38100" dist="19050" dir="2700000" algn="tl" rotWithShape="0">
+                    <a:schemeClr val="dk1">
+                      <a:alpha val="40000"/>
+                    </a:schemeClr>
+                  </a:outerShdw>
+                </a:effectLst>
+              </a:rPr>
+              <a:t>Maven</a:t>
+            </a:r>
+          </a:p>
+          <a:p>
+            <a:pPr algn="ctr"/>
+            <a:r>
+              <a:rPr lang="en-US" sz="1200" b="1" dirty="0">
+                <a:ln w="0"/>
+                <a:solidFill>
+                  <a:srgbClr val="FF0000"/>
+                </a:solidFill>
+                <a:effectLst>
+                  <a:outerShdw blurRad="38100" dist="19050" dir="2700000" algn="tl" rotWithShape="0">
+                    <a:schemeClr val="dk1">
+                      <a:alpha val="40000"/>
+                    </a:schemeClr>
+                  </a:outerShdw>
+                </a:effectLst>
+              </a:rPr>
+              <a:t>Jenkins</a:t>
+            </a:r>
+          </a:p>
+          <a:p>
+            <a:pPr algn="ctr"/>
+            <a:r>
+              <a:rPr lang="en-US" sz="1200" b="1" dirty="0">
+                <a:ln w="0"/>
+                <a:solidFill>
+                  <a:srgbClr val="FF0000"/>
+                </a:solidFill>
+                <a:effectLst>
+                  <a:outerShdw blurRad="38100" dist="19050" dir="2700000" algn="tl" rotWithShape="0">
+                    <a:schemeClr val="dk1">
+                      <a:alpha val="40000"/>
+                    </a:schemeClr>
+                  </a:outerShdw>
+                </a:effectLst>
+              </a:rPr>
+              <a:t>Ansible</a:t>
+            </a:r>
+          </a:p>
         </p:txBody>
       </p:sp>
       <p:sp>
@@ -5851,6 +5913,159 @@
                 </a:outerShdw>
               </a:effectLst>
             </a:endParaRPr>
+          </a:p>
+        </p:txBody>
+      </p:sp>
+      <p:sp>
+        <p:nvSpPr>
+          <p:cNvPr id="2" name="Rectangle: Rounded Corners 1">
+            <a:extLst>
+              <a:ext uri="{FF2B5EF4-FFF2-40B4-BE49-F238E27FC236}">
+                <a16:creationId xmlns:a16="http://schemas.microsoft.com/office/drawing/2014/main" id="{F9591318-BE25-4445-B924-01642AAC2DED}"/>
+              </a:ext>
+            </a:extLst>
+          </p:cNvPr>
+          <p:cNvSpPr/>
+          <p:nvPr/>
+        </p:nvSpPr>
+        <p:spPr>
+          <a:xfrm>
+            <a:off x="4648498" y="3126658"/>
+            <a:ext cx="834501" cy="960851"/>
+          </a:xfrm>
+          <a:prstGeom prst="roundRect">
+            <a:avLst/>
+          </a:prstGeom>
+          <a:solidFill>
+            <a:schemeClr val="accent4">
+              <a:lumMod val="40000"/>
+              <a:lumOff val="60000"/>
+            </a:schemeClr>
+          </a:solidFill>
+        </p:spPr>
+        <p:style>
+          <a:lnRef idx="2">
+            <a:schemeClr val="accent1">
+              <a:shade val="50000"/>
+            </a:schemeClr>
+          </a:lnRef>
+          <a:fillRef idx="1">
+            <a:schemeClr val="accent1"/>
+          </a:fillRef>
+          <a:effectRef idx="0">
+            <a:schemeClr val="accent1"/>
+          </a:effectRef>
+          <a:fontRef idx="minor">
+            <a:schemeClr val="lt1"/>
+          </a:fontRef>
+        </p:style>
+        <p:txBody>
+          <a:bodyPr rtlCol="0" anchor="ctr"/>
+          <a:lstStyle/>
+          <a:p>
+            <a:pPr algn="ctr"/>
+            <a:r>
+              <a:rPr lang="en-GB" sz="1400" b="1" u="sng" dirty="0">
+                <a:solidFill>
+                  <a:schemeClr val="accent2">
+                    <a:lumMod val="75000"/>
+                  </a:schemeClr>
+                </a:solidFill>
+              </a:rPr>
+              <a:t>Jenkins</a:t>
+            </a:r>
+          </a:p>
+          <a:p>
+            <a:pPr algn="ctr"/>
+            <a:r>
+              <a:rPr lang="en-GB" sz="1400" b="1" dirty="0">
+                <a:solidFill>
+                  <a:schemeClr val="bg1">
+                    <a:lumMod val="50000"/>
+                  </a:schemeClr>
+                </a:solidFill>
+              </a:rPr>
+              <a:t>Or</a:t>
+            </a:r>
+          </a:p>
+          <a:p>
+            <a:pPr algn="ctr"/>
+            <a:r>
+              <a:rPr lang="en-GB" sz="1400" b="1" u="sng" dirty="0">
+                <a:solidFill>
+                  <a:schemeClr val="accent2">
+                    <a:lumMod val="75000"/>
+                  </a:schemeClr>
+                </a:solidFill>
+              </a:rPr>
+              <a:t>Ansible</a:t>
+            </a:r>
+            <a:r>
+              <a:rPr lang="en-GB" sz="1400" b="1" dirty="0"/>
+              <a:t> </a:t>
+            </a:r>
+            <a:r>
+              <a:rPr lang="en-GB" sz="1400" b="1" dirty="0">
+                <a:solidFill>
+                  <a:schemeClr val="bg1">
+                    <a:lumMod val="50000"/>
+                  </a:schemeClr>
+                </a:solidFill>
+              </a:rPr>
+              <a:t>CI/CD</a:t>
+            </a:r>
+          </a:p>
+        </p:txBody>
+      </p:sp>
+      <p:sp>
+        <p:nvSpPr>
+          <p:cNvPr id="3" name="Arrow: Up 2">
+            <a:extLst>
+              <a:ext uri="{FF2B5EF4-FFF2-40B4-BE49-F238E27FC236}">
+                <a16:creationId xmlns:a16="http://schemas.microsoft.com/office/drawing/2014/main" id="{A6E6A94E-A886-4E8D-A57A-2EB49DDFBEBD}"/>
+              </a:ext>
+            </a:extLst>
+          </p:cNvPr>
+          <p:cNvSpPr/>
+          <p:nvPr/>
+        </p:nvSpPr>
+        <p:spPr>
+          <a:xfrm>
+            <a:off x="4968024" y="1789120"/>
+            <a:ext cx="241361" cy="1337538"/>
+          </a:xfrm>
+          <a:prstGeom prst="upArrow">
+            <a:avLst/>
+          </a:prstGeom>
+          <a:solidFill>
+            <a:schemeClr val="accent1">
+              <a:lumMod val="60000"/>
+              <a:lumOff val="40000"/>
+            </a:schemeClr>
+          </a:solidFill>
+        </p:spPr>
+        <p:style>
+          <a:lnRef idx="2">
+            <a:schemeClr val="accent1">
+              <a:shade val="50000"/>
+            </a:schemeClr>
+          </a:lnRef>
+          <a:fillRef idx="1">
+            <a:schemeClr val="accent1"/>
+          </a:fillRef>
+          <a:effectRef idx="0">
+            <a:schemeClr val="accent1"/>
+          </a:effectRef>
+          <a:fontRef idx="minor">
+            <a:schemeClr val="lt1"/>
+          </a:fontRef>
+        </p:style>
+        <p:txBody>
+          <a:bodyPr rtlCol="0" anchor="ctr"/>
+          <a:lstStyle/>
+          <a:p>
+            <a:pPr algn="ctr"/>
+            <a:endParaRPr lang="en-GB"/>
           </a:p>
         </p:txBody>
       </p:sp>
